--- a/2021-11-06/js-6.pptx
+++ b/2021-11-06/js-6.pptx
@@ -120,35 +120,6 @@
     </a:lvl9pPr>
   </p:defaultTextStyle>
   <p:extLst>
-    <p:ext uri="{521415D9-36F7-43E2-AB2F-B90AF26B5E84}">
-      <p14:sectionLst xmlns:p14="http://schemas.microsoft.com/office/powerpoint/2010/main">
-        <p14:section name="Standardabschnitt" id="{717E7818-A8A7-4B89-A736-2DED9AFEF71F}">
-          <p14:sldIdLst>
-            <p14:sldId id="326"/>
-          </p14:sldIdLst>
-        </p14:section>
-        <p14:section name="Erfolgsmessung" id="{4E1918EA-EE84-499D-916B-88EED4A28768}">
-          <p14:sldIdLst>
-            <p14:sldId id="327"/>
-            <p14:sldId id="328"/>
-            <p14:sldId id="329"/>
-            <p14:sldId id="340"/>
-            <p14:sldId id="341"/>
-            <p14:sldId id="342"/>
-            <p14:sldId id="347"/>
-            <p14:sldId id="343"/>
-            <p14:sldId id="344"/>
-            <p14:sldId id="346"/>
-            <p14:sldId id="339"/>
-          </p14:sldIdLst>
-        </p14:section>
-        <p14:section name="Ende" id="{02AF34D8-F4D7-4376-8A64-789B77C2F39B}">
-          <p14:sldIdLst>
-            <p14:sldId id="304"/>
-          </p14:sldIdLst>
-        </p14:section>
-      </p14:sectionLst>
-    </p:ext>
     <p:ext uri="{EFAFB233-063F-42B5-8137-9DF3F51BA10A}">
       <p15:sldGuideLst xmlns:p15="http://schemas.microsoft.com/office/powerpoint/2012/main">
         <p15:guide id="1" orient="horz" pos="2160" userDrawn="1">
@@ -268,7 +239,7 @@
               <a:rPr lang="de-AT" smtClean="0">
                 <a:latin typeface="Arial" panose="020B0604020202020204" pitchFamily="34" charset="0"/>
               </a:rPr>
-              <a:t>29.10.21</a:t>
+              <a:t>06.11.21</a:t>
             </a:fld>
             <a:endParaRPr lang="de-AT" dirty="0">
               <a:latin typeface="Arial" panose="020B0604020202020204" pitchFamily="34" charset="0"/>
